--- a/poster/final_poster.pptx
+++ b/poster/final_poster.pptx
@@ -15136,39 +15136,12 @@
       </p:sp>
       <p:pic>
         <p:nvPicPr>
-          <p:cNvPr id="102" name="Shape 102"/>
-          <p:cNvPicPr preferRelativeResize="0"/>
-          <p:nvPr/>
-        </p:nvPicPr>
-        <p:blipFill rotWithShape="1">
-          <a:blip r:embed="rId6">
-            <a:alphaModFix/>
-          </a:blip>
-          <a:srcRect l="6345" r="7029"/>
-          <a:stretch/>
-        </p:blipFill>
-        <p:spPr>
-          <a:xfrm>
-            <a:off x="10921999" y="19418571"/>
-            <a:ext cx="9967377" cy="5752862"/>
-          </a:xfrm>
-          <a:prstGeom prst="rect">
-            <a:avLst/>
-          </a:prstGeom>
-          <a:noFill/>
-          <a:ln>
-            <a:noFill/>
-          </a:ln>
-        </p:spPr>
-      </p:pic>
-      <p:pic>
-        <p:nvPicPr>
           <p:cNvPr id="103" name="Shape 103"/>
           <p:cNvPicPr preferRelativeResize="0"/>
           <p:nvPr/>
         </p:nvPicPr>
         <p:blipFill>
-          <a:blip r:embed="rId7">
+          <a:blip r:embed="rId6">
             <a:alphaModFix/>
           </a:blip>
           <a:stretch>
@@ -15196,7 +15169,7 @@
           <p:nvPr/>
         </p:nvPicPr>
         <p:blipFill>
-          <a:blip r:embed="rId8">
+          <a:blip r:embed="rId7">
             <a:alphaModFix/>
           </a:blip>
           <a:stretch>
@@ -15224,7 +15197,7 @@
           <p:nvPr/>
         </p:nvPicPr>
         <p:blipFill>
-          <a:blip r:embed="rId9">
+          <a:blip r:embed="rId8">
             <a:alphaModFix/>
           </a:blip>
           <a:stretch>
@@ -15443,7 +15416,7 @@
           <p:nvPr/>
         </p:nvPicPr>
         <p:blipFill>
-          <a:blip r:embed="rId10">
+          <a:blip r:embed="rId9">
             <a:alphaModFix/>
           </a:blip>
           <a:stretch>
@@ -15555,7 +15528,7 @@
           <p:nvPr/>
         </p:nvPicPr>
         <p:blipFill rotWithShape="1">
-          <a:blip r:embed="rId11">
+          <a:blip r:embed="rId10">
             <a:alphaModFix/>
           </a:blip>
           <a:srcRect l="2510" t="20819" r="1773" b="3313"/>
@@ -15582,7 +15555,7 @@
           <p:nvPr/>
         </p:nvPicPr>
         <p:blipFill rotWithShape="1">
-          <a:blip r:embed="rId11">
+          <a:blip r:embed="rId10">
             <a:alphaModFix/>
           </a:blip>
           <a:srcRect l="9486" t="2513" r="15450" b="89136"/>
@@ -15600,6 +15573,35 @@
           <a:ln>
             <a:noFill/>
           </a:ln>
+        </p:spPr>
+      </p:pic>
+      <p:pic>
+        <p:nvPicPr>
+          <p:cNvPr id="2" name="Bild 1"/>
+          <p:cNvPicPr>
+            <a:picLocks noChangeAspect="1"/>
+          </p:cNvPicPr>
+          <p:nvPr/>
+        </p:nvPicPr>
+        <p:blipFill rotWithShape="1">
+          <a:blip r:embed="rId11">
+            <a:extLst>
+              <a:ext uri="{28A0092B-C50C-407E-A947-70E740481C1C}">
+                <a14:useLocalDpi xmlns:a14="http://schemas.microsoft.com/office/drawing/2010/main" val="0"/>
+              </a:ext>
+            </a:extLst>
+          </a:blip>
+          <a:srcRect l="5832" r="8129"/>
+          <a:stretch/>
+        </p:blipFill>
+        <p:spPr>
+          <a:xfrm>
+            <a:off x="10972800" y="19819923"/>
+            <a:ext cx="9465193" cy="5500527"/>
+          </a:xfrm>
+          <a:prstGeom prst="rect">
+            <a:avLst/>
+          </a:prstGeom>
         </p:spPr>
       </p:pic>
     </p:spTree>

--- a/poster/final_poster.pptx
+++ b/poster/final_poster.pptx
@@ -14002,7 +14002,7 @@
         <p:spPr>
           <a:xfrm>
             <a:off x="-2661625" y="-408900"/>
-            <a:ext cx="44649000" cy="4524900"/>
+            <a:ext cx="44649000" cy="4572000"/>
           </a:xfrm>
           <a:prstGeom prst="rect">
             <a:avLst/>
@@ -14218,7 +14218,7 @@
         <p:spPr>
           <a:xfrm>
             <a:off x="326274" y="4439396"/>
-            <a:ext cx="10238311" cy="15112146"/>
+            <a:ext cx="10263012" cy="15112146"/>
           </a:xfrm>
           <a:prstGeom prst="rect">
             <a:avLst/>
@@ -14553,7 +14553,7 @@
         <p:spPr>
           <a:xfrm>
             <a:off x="10772225" y="4439396"/>
-            <a:ext cx="17216713" cy="10928700"/>
+            <a:ext cx="17208000" cy="10908000"/>
           </a:xfrm>
           <a:prstGeom prst="rect">
             <a:avLst/>
@@ -14621,7 +14621,7 @@
         <p:spPr>
           <a:xfrm>
             <a:off x="10772225" y="15573947"/>
-            <a:ext cx="17216713" cy="10844523"/>
+            <a:ext cx="17208000" cy="10844523"/>
           </a:xfrm>
           <a:prstGeom prst="rect">
             <a:avLst/>
@@ -15035,34 +15035,6 @@
           </a:p>
         </p:txBody>
       </p:sp>
-      <p:pic>
-        <p:nvPicPr>
-          <p:cNvPr id="100" name="Shape 100"/>
-          <p:cNvPicPr preferRelativeResize="0"/>
-          <p:nvPr/>
-        </p:nvPicPr>
-        <p:blipFill>
-          <a:blip r:embed="rId5">
-            <a:alphaModFix/>
-          </a:blip>
-          <a:stretch>
-            <a:fillRect/>
-          </a:stretch>
-        </p:blipFill>
-        <p:spPr>
-          <a:xfrm>
-            <a:off x="994800" y="12096371"/>
-            <a:ext cx="8731213" cy="4159200"/>
-          </a:xfrm>
-          <a:prstGeom prst="rect">
-            <a:avLst/>
-          </a:prstGeom>
-          <a:noFill/>
-          <a:ln>
-            <a:noFill/>
-          </a:ln>
-        </p:spPr>
-      </p:pic>
       <p:sp>
         <p:nvSpPr>
           <p:cNvPr id="101" name="Shape 101"/>
@@ -15071,8 +15043,8 @@
         </p:nvSpPr>
         <p:spPr>
           <a:xfrm>
-            <a:off x="326275" y="19757394"/>
-            <a:ext cx="10238310" cy="6661075"/>
+            <a:off x="326274" y="19757394"/>
+            <a:ext cx="10263011" cy="6661075"/>
           </a:xfrm>
           <a:prstGeom prst="rect">
             <a:avLst/>
@@ -15136,40 +15108,12 @@
       </p:sp>
       <p:pic>
         <p:nvPicPr>
-          <p:cNvPr id="103" name="Shape 103"/>
-          <p:cNvPicPr preferRelativeResize="0"/>
-          <p:nvPr/>
-        </p:nvPicPr>
-        <p:blipFill>
-          <a:blip r:embed="rId6">
-            <a:alphaModFix/>
-          </a:blip>
-          <a:stretch>
-            <a:fillRect/>
-          </a:stretch>
-        </p:blipFill>
-        <p:spPr>
-          <a:xfrm>
-            <a:off x="11195999" y="5894570"/>
-            <a:ext cx="7327433" cy="3497024"/>
-          </a:xfrm>
-          <a:prstGeom prst="rect">
-            <a:avLst/>
-          </a:prstGeom>
-          <a:noFill/>
-          <a:ln>
-            <a:noFill/>
-          </a:ln>
-        </p:spPr>
-      </p:pic>
-      <p:pic>
-        <p:nvPicPr>
           <p:cNvPr id="104" name="Shape 104"/>
           <p:cNvPicPr preferRelativeResize="0"/>
           <p:nvPr/>
         </p:nvPicPr>
         <p:blipFill>
-          <a:blip r:embed="rId7">
+          <a:blip r:embed="rId5">
             <a:alphaModFix/>
           </a:blip>
           <a:stretch>
@@ -15197,7 +15141,7 @@
           <p:nvPr/>
         </p:nvPicPr>
         <p:blipFill>
-          <a:blip r:embed="rId8">
+          <a:blip r:embed="rId6">
             <a:alphaModFix/>
           </a:blip>
           <a:stretch>
@@ -15416,7 +15360,7 @@
           <p:nvPr/>
         </p:nvPicPr>
         <p:blipFill>
-          <a:blip r:embed="rId9">
+          <a:blip r:embed="rId7">
             <a:alphaModFix/>
           </a:blip>
           <a:stretch>
@@ -15523,61 +15467,94 @@
       </p:sp>
       <p:pic>
         <p:nvPicPr>
-          <p:cNvPr id="112" name="Shape 112"/>
-          <p:cNvPicPr preferRelativeResize="0"/>
+          <p:cNvPr id="4" name="Bild 3"/>
+          <p:cNvPicPr>
+            <a:picLocks noChangeAspect="1"/>
+          </p:cNvPicPr>
+          <p:nvPr/>
+        </p:nvPicPr>
+        <p:blipFill rotWithShape="1">
+          <a:blip r:embed="rId8">
+            <a:extLst>
+              <a:ext uri="{28A0092B-C50C-407E-A947-70E740481C1C}">
+                <a14:useLocalDpi xmlns:a14="http://schemas.microsoft.com/office/drawing/2010/main" val="0"/>
+              </a:ext>
+            </a:extLst>
+          </a:blip>
+          <a:srcRect l="2564" t="3384" r="1810" b="2509"/>
+          <a:stretch/>
+        </p:blipFill>
+        <p:spPr>
+          <a:xfrm>
+            <a:off x="28183116" y="13585372"/>
+            <a:ext cx="10776857" cy="6040531"/>
+          </a:xfrm>
+          <a:prstGeom prst="rect">
+            <a:avLst/>
+          </a:prstGeom>
+        </p:spPr>
+      </p:pic>
+      <p:pic>
+        <p:nvPicPr>
+          <p:cNvPr id="5" name="Bild 4"/>
+          <p:cNvPicPr>
+            <a:picLocks noChangeAspect="1"/>
+          </p:cNvPicPr>
+          <p:nvPr/>
+        </p:nvPicPr>
+        <p:blipFill rotWithShape="1">
+          <a:blip r:embed="rId9">
+            <a:extLst>
+              <a:ext uri="{28A0092B-C50C-407E-A947-70E740481C1C}">
+                <a14:useLocalDpi xmlns:a14="http://schemas.microsoft.com/office/drawing/2010/main" val="0"/>
+              </a:ext>
+            </a:extLst>
+          </a:blip>
+          <a:srcRect l="2812" t="2642" r="7464"/>
+          <a:stretch/>
+        </p:blipFill>
+        <p:spPr>
+          <a:xfrm>
+            <a:off x="11005457" y="19202400"/>
+            <a:ext cx="9568543" cy="6921711"/>
+          </a:xfrm>
+          <a:prstGeom prst="rect">
+            <a:avLst/>
+          </a:prstGeom>
+        </p:spPr>
+      </p:pic>
+      <p:pic>
+        <p:nvPicPr>
+          <p:cNvPr id="6" name="Bild 5"/>
+          <p:cNvPicPr>
+            <a:picLocks noChangeAspect="1"/>
+          </p:cNvPicPr>
           <p:nvPr/>
         </p:nvPicPr>
         <p:blipFill rotWithShape="1">
           <a:blip r:embed="rId10">
-            <a:alphaModFix/>
+            <a:extLst>
+              <a:ext uri="{28A0092B-C50C-407E-A947-70E740481C1C}">
+                <a14:useLocalDpi xmlns:a14="http://schemas.microsoft.com/office/drawing/2010/main" val="0"/>
+              </a:ext>
+            </a:extLst>
           </a:blip>
-          <a:srcRect l="2510" t="20819" r="1773" b="3313"/>
+          <a:srcRect l="11624" t="15800" r="8912" b="17874"/>
           <a:stretch/>
         </p:blipFill>
         <p:spPr>
           <a:xfrm>
-            <a:off x="28445266" y="14550571"/>
-            <a:ext cx="10364178" cy="4867999"/>
+            <a:off x="11380758" y="5924884"/>
+            <a:ext cx="7206163" cy="3508618"/>
           </a:xfrm>
           <a:prstGeom prst="rect">
             <a:avLst/>
           </a:prstGeom>
-          <a:noFill/>
-          <a:ln>
-            <a:noFill/>
-          </a:ln>
         </p:spPr>
       </p:pic>
       <p:pic>
         <p:nvPicPr>
-          <p:cNvPr id="27" name="Shape 112"/>
-          <p:cNvPicPr preferRelativeResize="0"/>
-          <p:nvPr/>
-        </p:nvPicPr>
-        <p:blipFill rotWithShape="1">
-          <a:blip r:embed="rId10">
-            <a:alphaModFix/>
-          </a:blip>
-          <a:srcRect l="9486" t="2513" r="15450" b="89136"/>
-          <a:stretch/>
-        </p:blipFill>
-        <p:spPr>
-          <a:xfrm>
-            <a:off x="28448000" y="13811544"/>
-            <a:ext cx="8127836" cy="535827"/>
-          </a:xfrm>
-          <a:prstGeom prst="rect">
-            <a:avLst/>
-          </a:prstGeom>
-          <a:noFill/>
-          <a:ln>
-            <a:noFill/>
-          </a:ln>
-        </p:spPr>
-      </p:pic>
-      <p:pic>
-        <p:nvPicPr>
-          <p:cNvPr id="2" name="Bild 1"/>
+          <p:cNvPr id="7" name="Bild 6"/>
           <p:cNvPicPr>
             <a:picLocks noChangeAspect="1"/>
           </p:cNvPicPr>
@@ -15591,13 +15568,13 @@
               </a:ext>
             </a:extLst>
           </a:blip>
-          <a:srcRect l="5832" r="8129"/>
+          <a:srcRect l="11424" t="15208" r="8814" b="17955"/>
           <a:stretch/>
         </p:blipFill>
         <p:spPr>
           <a:xfrm>
-            <a:off x="10972800" y="19819923"/>
-            <a:ext cx="9465193" cy="5500527"/>
+            <a:off x="1142916" y="12066813"/>
+            <a:ext cx="8752114" cy="4278087"/>
           </a:xfrm>
           <a:prstGeom prst="rect">
             <a:avLst/>

--- a/poster/final_poster.pptx
+++ b/poster/final_poster.pptx
@@ -1123,7 +1123,7 @@
                 <a:cs typeface="Calibri"/>
                 <a:sym typeface="Calibri"/>
               </a:rPr>
-              <a:t>‹Nr.›</a:t>
+              <a:t>‹#›</a:t>
             </a:fld>
             <a:endParaRPr lang="en-US" sz="1200" b="0" i="0" u="none" strike="noStrike" cap="none">
               <a:solidFill>
@@ -2288,7 +2288,7 @@
                 <a:cs typeface="Calibri"/>
                 <a:sym typeface="Calibri"/>
               </a:rPr>
-              <a:t>‹Nr.›</a:t>
+              <a:t>‹#›</a:t>
             </a:fld>
             <a:endParaRPr lang="en-US" sz="6200" b="0" i="0" u="none" strike="noStrike" cap="none">
               <a:solidFill>
@@ -3237,7 +3237,7 @@
                 <a:cs typeface="Calibri"/>
                 <a:sym typeface="Calibri"/>
               </a:rPr>
-              <a:t>‹Nr.›</a:t>
+              <a:t>‹#›</a:t>
             </a:fld>
             <a:endParaRPr lang="en-US" sz="6200" b="0" i="0" u="none">
               <a:solidFill>
@@ -4195,7 +4195,7 @@
                 <a:cs typeface="Calibri"/>
                 <a:sym typeface="Calibri"/>
               </a:rPr>
-              <a:t>‹Nr.›</a:t>
+              <a:t>‹#›</a:t>
             </a:fld>
             <a:endParaRPr lang="en-US" sz="6200" b="0" i="0" u="none">
               <a:solidFill>
@@ -5153,7 +5153,7 @@
                 <a:cs typeface="Calibri"/>
                 <a:sym typeface="Calibri"/>
               </a:rPr>
-              <a:t>‹Nr.›</a:t>
+              <a:t>‹#›</a:t>
             </a:fld>
             <a:endParaRPr lang="en-US" sz="6200" b="0" i="0" u="none">
               <a:solidFill>
@@ -6111,7 +6111,7 @@
                 <a:cs typeface="Calibri"/>
                 <a:sym typeface="Calibri"/>
               </a:rPr>
-              <a:t>‹Nr.›</a:t>
+              <a:t>‹#›</a:t>
             </a:fld>
             <a:endParaRPr lang="en-US" sz="6200" b="0" i="0" u="none">
               <a:solidFill>
@@ -7278,7 +7278,7 @@
                 <a:cs typeface="Calibri"/>
                 <a:sym typeface="Calibri"/>
               </a:rPr>
-              <a:t>‹Nr.›</a:t>
+              <a:t>‹#›</a:t>
             </a:fld>
             <a:endParaRPr lang="en-US" sz="6200" b="0" i="0" u="none">
               <a:solidFill>
@@ -8454,7 +8454,7 @@
                 <a:cs typeface="Calibri"/>
                 <a:sym typeface="Calibri"/>
               </a:rPr>
-              <a:t>‹Nr.›</a:t>
+              <a:t>‹#›</a:t>
             </a:fld>
             <a:endParaRPr lang="en-US" sz="6200" b="0" i="0" u="none">
               <a:solidFill>
@@ -8991,7 +8991,7 @@
                 <a:cs typeface="Calibri"/>
                 <a:sym typeface="Calibri"/>
               </a:rPr>
-              <a:t>‹Nr.›</a:t>
+              <a:t>‹#›</a:t>
             </a:fld>
             <a:endParaRPr lang="en-US" sz="6200" b="0" i="0" u="none">
               <a:solidFill>
@@ -9722,7 +9722,7 @@
                 <a:cs typeface="Calibri"/>
                 <a:sym typeface="Calibri"/>
               </a:rPr>
-              <a:t>‹Nr.›</a:t>
+              <a:t>‹#›</a:t>
             </a:fld>
             <a:endParaRPr lang="en-US" sz="6200" b="0" i="0" u="none">
               <a:solidFill>
@@ -11343,7 +11343,7 @@
                 <a:cs typeface="Calibri"/>
                 <a:sym typeface="Calibri"/>
               </a:rPr>
-              <a:t>‹Nr.›</a:t>
+              <a:t>‹#›</a:t>
             </a:fld>
             <a:endParaRPr lang="en-US" sz="6200" b="0" i="0" u="none">
               <a:solidFill>
@@ -12528,7 +12528,7 @@
                 <a:cs typeface="Calibri"/>
                 <a:sym typeface="Calibri"/>
               </a:rPr>
-              <a:t>‹Nr.›</a:t>
+              <a:t>‹#›</a:t>
             </a:fld>
             <a:endParaRPr lang="en-US" sz="6200" b="0" i="0" u="none">
               <a:solidFill>
@@ -13494,7 +13494,7 @@
                 <a:cs typeface="Calibri"/>
                 <a:sym typeface="Calibri"/>
               </a:rPr>
-              <a:t>‹Nr.›</a:t>
+              <a:t>‹#›</a:t>
             </a:fld>
             <a:endParaRPr lang="en-US" sz="6200" b="0" i="0" u="none" strike="noStrike" cap="none">
               <a:solidFill>
@@ -14758,11 +14758,7 @@
             </a:pPr>
             <a:r>
               <a:rPr lang="en-US" sz="3600" dirty="0"/>
-              <a:t>We want to infer weather events based on weather measures. </a:t>
-            </a:r>
-            <a:r>
-              <a:rPr lang="en-US" sz="3600" dirty="0"/>
-              <a:t>Specifically, given measures like </a:t>
+              <a:t>We want to infer weather events based on weather measures. Specifically, given measures like </a:t>
             </a:r>
             <a:r>
               <a:rPr lang="en-US" sz="3600" dirty="0" smtClean="0"/>
@@ -14778,11 +14774,7 @@
             </a:r>
             <a:r>
               <a:rPr lang="en-US" sz="3600" dirty="0"/>
-              <a:t>we infer the occurrence of events like Fog-Snow, Rain, Thunderstorm etc. </a:t>
-            </a:r>
-            <a:r>
-              <a:rPr lang="en-US" sz="3600" dirty="0"/>
-              <a:t>We use a second order Hidden Markov Model to infer these events (hidden states) and model the emission probabilities of the weather measures using a joint distribution of Gaussian and log-normal distributions. </a:t>
+              <a:t>we infer the occurrence of events like Fog-Snow, Rain, Thunderstorm etc. We use a second order Hidden Markov Model to infer these events (hidden states) and model the emission probabilities of the weather measures using a joint distribution of Gaussian and log-normal distributions. </a:t>
             </a:r>
           </a:p>
           <a:p>
@@ -14797,11 +14789,7 @@
             </a:pPr>
             <a:r>
               <a:rPr lang="en-US" sz="3600" dirty="0"/>
-              <a:t>The model was trained on 50 years of data (1960 - 2010) and the test results below </a:t>
-            </a:r>
-            <a:r>
-              <a:rPr lang="en-US" sz="3600" dirty="0"/>
-              <a:t>are from the next five year period 2011 - 2015.</a:t>
+              <a:t>The model was trained on 50 years of data (1960 - 2010) and the test results below are from the next five year period 2011 - 2015.</a:t>
             </a:r>
           </a:p>
         </p:txBody>
@@ -15106,62 +15094,6 @@
           </a:p>
         </p:txBody>
       </p:sp>
-      <p:pic>
-        <p:nvPicPr>
-          <p:cNvPr id="104" name="Shape 104"/>
-          <p:cNvPicPr preferRelativeResize="0"/>
-          <p:nvPr/>
-        </p:nvPicPr>
-        <p:blipFill>
-          <a:blip r:embed="rId5">
-            <a:alphaModFix/>
-          </a:blip>
-          <a:stretch>
-            <a:fillRect/>
-          </a:stretch>
-        </p:blipFill>
-        <p:spPr>
-          <a:xfrm>
-            <a:off x="11195999" y="10567408"/>
-            <a:ext cx="7327424" cy="3477424"/>
-          </a:xfrm>
-          <a:prstGeom prst="rect">
-            <a:avLst/>
-          </a:prstGeom>
-          <a:noFill/>
-          <a:ln>
-            <a:noFill/>
-          </a:ln>
-        </p:spPr>
-      </p:pic>
-      <p:pic>
-        <p:nvPicPr>
-          <p:cNvPr id="105" name="Shape 105"/>
-          <p:cNvPicPr preferRelativeResize="0"/>
-          <p:nvPr/>
-        </p:nvPicPr>
-        <p:blipFill>
-          <a:blip r:embed="rId6">
-            <a:alphaModFix/>
-          </a:blip>
-          <a:stretch>
-            <a:fillRect/>
-          </a:stretch>
-        </p:blipFill>
-        <p:spPr>
-          <a:xfrm>
-            <a:off x="19975574" y="5986595"/>
-            <a:ext cx="7327425" cy="3636225"/>
-          </a:xfrm>
-          <a:prstGeom prst="rect">
-            <a:avLst/>
-          </a:prstGeom>
-          <a:noFill/>
-          <a:ln>
-            <a:noFill/>
-          </a:ln>
-        </p:spPr>
-      </p:pic>
       <p:sp>
         <p:nvSpPr>
           <p:cNvPr id="106" name="Shape 106"/>
@@ -15353,34 +15285,6 @@
           </a:p>
         </p:txBody>
       </p:sp>
-      <p:pic>
-        <p:nvPicPr>
-          <p:cNvPr id="109" name="Shape 109"/>
-          <p:cNvPicPr preferRelativeResize="0"/>
-          <p:nvPr/>
-        </p:nvPicPr>
-        <p:blipFill>
-          <a:blip r:embed="rId7">
-            <a:alphaModFix/>
-          </a:blip>
-          <a:stretch>
-            <a:fillRect/>
-          </a:stretch>
-        </p:blipFill>
-        <p:spPr>
-          <a:xfrm>
-            <a:off x="19847216" y="10585870"/>
-            <a:ext cx="7480483" cy="3563399"/>
-          </a:xfrm>
-          <a:prstGeom prst="rect">
-            <a:avLst/>
-          </a:prstGeom>
-          <a:noFill/>
-          <a:ln>
-            <a:noFill/>
-          </a:ln>
-        </p:spPr>
-      </p:pic>
       <p:sp>
         <p:nvSpPr>
           <p:cNvPr id="110" name="Shape 110"/>
@@ -15474,7 +15378,7 @@
           <p:nvPr/>
         </p:nvPicPr>
         <p:blipFill rotWithShape="1">
-          <a:blip r:embed="rId8">
+          <a:blip r:embed="rId5">
             <a:extLst>
               <a:ext uri="{28A0092B-C50C-407E-A947-70E740481C1C}">
                 <a14:useLocalDpi xmlns:a14="http://schemas.microsoft.com/office/drawing/2010/main" val="0"/>
@@ -15503,7 +15407,7 @@
           <p:nvPr/>
         </p:nvPicPr>
         <p:blipFill rotWithShape="1">
-          <a:blip r:embed="rId9">
+          <a:blip r:embed="rId6">
             <a:extLst>
               <a:ext uri="{28A0092B-C50C-407E-A947-70E740481C1C}">
                 <a14:useLocalDpi xmlns:a14="http://schemas.microsoft.com/office/drawing/2010/main" val="0"/>
@@ -15525,27 +15429,28 @@
       </p:pic>
       <p:pic>
         <p:nvPicPr>
-          <p:cNvPr id="6" name="Bild 5"/>
+          <p:cNvPr id="2" name="Picture 1"/>
           <p:cNvPicPr>
             <a:picLocks noChangeAspect="1"/>
           </p:cNvPicPr>
           <p:nvPr/>
         </p:nvPicPr>
-        <p:blipFill rotWithShape="1">
-          <a:blip r:embed="rId10">
+        <p:blipFill>
+          <a:blip r:embed="rId7">
             <a:extLst>
               <a:ext uri="{28A0092B-C50C-407E-A947-70E740481C1C}">
                 <a14:useLocalDpi xmlns:a14="http://schemas.microsoft.com/office/drawing/2010/main" val="0"/>
               </a:ext>
             </a:extLst>
           </a:blip>
-          <a:srcRect l="11624" t="15800" r="8912" b="17874"/>
-          <a:stretch/>
+          <a:stretch>
+            <a:fillRect/>
+          </a:stretch>
         </p:blipFill>
         <p:spPr>
           <a:xfrm>
-            <a:off x="11380758" y="5924884"/>
-            <a:ext cx="7206163" cy="3508618"/>
+            <a:off x="1096875" y="12131052"/>
+            <a:ext cx="8525866" cy="4070909"/>
           </a:xfrm>
           <a:prstGeom prst="rect">
             <a:avLst/>
@@ -15554,13 +15459,103 @@
       </p:pic>
       <p:pic>
         <p:nvPicPr>
-          <p:cNvPr id="7" name="Bild 6"/>
+          <p:cNvPr id="3" name="Picture 2"/>
           <p:cNvPicPr>
             <a:picLocks noChangeAspect="1"/>
           </p:cNvPicPr>
           <p:nvPr/>
         </p:nvPicPr>
-        <p:blipFill rotWithShape="1">
+        <p:blipFill>
+          <a:blip r:embed="rId8">
+            <a:extLst>
+              <a:ext uri="{28A0092B-C50C-407E-A947-70E740481C1C}">
+                <a14:useLocalDpi xmlns:a14="http://schemas.microsoft.com/office/drawing/2010/main" val="0"/>
+              </a:ext>
+            </a:extLst>
+          </a:blip>
+          <a:stretch>
+            <a:fillRect/>
+          </a:stretch>
+        </p:blipFill>
+        <p:spPr>
+          <a:xfrm>
+            <a:off x="11258197" y="5667570"/>
+            <a:ext cx="7543187" cy="3615049"/>
+          </a:xfrm>
+          <a:prstGeom prst="rect">
+            <a:avLst/>
+          </a:prstGeom>
+        </p:spPr>
+      </p:pic>
+      <p:pic>
+        <p:nvPicPr>
+          <p:cNvPr id="8" name="Picture 7"/>
+          <p:cNvPicPr>
+            <a:picLocks noChangeAspect="1"/>
+          </p:cNvPicPr>
+          <p:nvPr/>
+        </p:nvPicPr>
+        <p:blipFill>
+          <a:blip r:embed="rId9">
+            <a:extLst>
+              <a:ext uri="{28A0092B-C50C-407E-A947-70E740481C1C}">
+                <a14:useLocalDpi xmlns:a14="http://schemas.microsoft.com/office/drawing/2010/main" val="0"/>
+              </a:ext>
+            </a:extLst>
+          </a:blip>
+          <a:stretch>
+            <a:fillRect/>
+          </a:stretch>
+        </p:blipFill>
+        <p:spPr>
+          <a:xfrm>
+            <a:off x="19723767" y="5693797"/>
+            <a:ext cx="7426908" cy="3707249"/>
+          </a:xfrm>
+          <a:prstGeom prst="rect">
+            <a:avLst/>
+          </a:prstGeom>
+        </p:spPr>
+      </p:pic>
+      <p:pic>
+        <p:nvPicPr>
+          <p:cNvPr id="9" name="Picture 8"/>
+          <p:cNvPicPr>
+            <a:picLocks noChangeAspect="1"/>
+          </p:cNvPicPr>
+          <p:nvPr/>
+        </p:nvPicPr>
+        <p:blipFill>
+          <a:blip r:embed="rId10">
+            <a:extLst>
+              <a:ext uri="{28A0092B-C50C-407E-A947-70E740481C1C}">
+                <a14:useLocalDpi xmlns:a14="http://schemas.microsoft.com/office/drawing/2010/main" val="0"/>
+              </a:ext>
+            </a:extLst>
+          </a:blip>
+          <a:stretch>
+            <a:fillRect/>
+          </a:stretch>
+        </p:blipFill>
+        <p:spPr>
+          <a:xfrm>
+            <a:off x="11270577" y="10409714"/>
+            <a:ext cx="7530807" cy="3586253"/>
+          </a:xfrm>
+          <a:prstGeom prst="rect">
+            <a:avLst/>
+          </a:prstGeom>
+        </p:spPr>
+      </p:pic>
+      <p:pic>
+        <p:nvPicPr>
+          <p:cNvPr id="10" name="Picture 9"/>
+          <p:cNvPicPr>
+            <a:picLocks noChangeAspect="1"/>
+          </p:cNvPicPr>
+          <p:nvPr/>
+        </p:nvPicPr>
+        <p:blipFill>
           <a:blip r:embed="rId11">
             <a:extLst>
               <a:ext uri="{28A0092B-C50C-407E-A947-70E740481C1C}">
@@ -15568,13 +15563,14 @@
               </a:ext>
             </a:extLst>
           </a:blip>
-          <a:srcRect l="11424" t="15208" r="8814" b="17955"/>
-          <a:stretch/>
+          <a:stretch>
+            <a:fillRect/>
+          </a:stretch>
         </p:blipFill>
         <p:spPr>
           <a:xfrm>
-            <a:off x="1142916" y="12066813"/>
-            <a:ext cx="8752114" cy="4278087"/>
+            <a:off x="19723767" y="10409714"/>
+            <a:ext cx="7491075" cy="3586597"/>
           </a:xfrm>
           <a:prstGeom prst="rect">
             <a:avLst/>
